--- a/docs/favicon/favicon.pptx
+++ b/docs/favicon/favicon.pptx
@@ -104,6 +104,11 @@
       </a:defRPr>
     </a:lvl9pPr>
   </p:defaultTextStyle>
+  <p:extLst>
+    <p:ext uri="{EFAFB233-063F-42B5-8137-9DF3F51BA10A}">
+      <p15:sldGuideLst xmlns:p15="http://schemas.microsoft.com/office/powerpoint/2012/main"/>
+    </p:ext>
+  </p:extLst>
 </p:presentation>
 </file>
 
@@ -363,7 +368,7 @@
           <a:p>
             <a:fld id="{C46CCB44-9999-4A1A-9D44-812089FB55E3}" type="datetimeFigureOut">
               <a:rPr kumimoji="1" lang="ja-JP" altLang="en-US" smtClean="0"/>
-              <a:t>2023/4/29</a:t>
+              <a:t>2023/5/1</a:t>
             </a:fld>
             <a:endParaRPr kumimoji="1" lang="ja-JP" altLang="en-US"/>
           </a:p>
@@ -593,7 +598,7 @@
           <a:p>
             <a:fld id="{C46CCB44-9999-4A1A-9D44-812089FB55E3}" type="datetimeFigureOut">
               <a:rPr kumimoji="1" lang="ja-JP" altLang="en-US" smtClean="0"/>
-              <a:t>2023/4/29</a:t>
+              <a:t>2023/5/1</a:t>
             </a:fld>
             <a:endParaRPr kumimoji="1" lang="ja-JP" altLang="en-US"/>
           </a:p>
@@ -833,7 +838,7 @@
           <a:p>
             <a:fld id="{C46CCB44-9999-4A1A-9D44-812089FB55E3}" type="datetimeFigureOut">
               <a:rPr kumimoji="1" lang="ja-JP" altLang="en-US" smtClean="0"/>
-              <a:t>2023/4/29</a:t>
+              <a:t>2023/5/1</a:t>
             </a:fld>
             <a:endParaRPr kumimoji="1" lang="ja-JP" altLang="en-US"/>
           </a:p>
@@ -1063,7 +1068,7 @@
           <a:p>
             <a:fld id="{C46CCB44-9999-4A1A-9D44-812089FB55E3}" type="datetimeFigureOut">
               <a:rPr kumimoji="1" lang="ja-JP" altLang="en-US" smtClean="0"/>
-              <a:t>2023/4/29</a:t>
+              <a:t>2023/5/1</a:t>
             </a:fld>
             <a:endParaRPr kumimoji="1" lang="ja-JP" altLang="en-US"/>
           </a:p>
@@ -1338,7 +1343,7 @@
           <a:p>
             <a:fld id="{C46CCB44-9999-4A1A-9D44-812089FB55E3}" type="datetimeFigureOut">
               <a:rPr kumimoji="1" lang="ja-JP" altLang="en-US" smtClean="0"/>
-              <a:t>2023/4/29</a:t>
+              <a:t>2023/5/1</a:t>
             </a:fld>
             <a:endParaRPr kumimoji="1" lang="ja-JP" altLang="en-US"/>
           </a:p>
@@ -1667,7 +1672,7 @@
           <a:p>
             <a:fld id="{C46CCB44-9999-4A1A-9D44-812089FB55E3}" type="datetimeFigureOut">
               <a:rPr kumimoji="1" lang="ja-JP" altLang="en-US" smtClean="0"/>
-              <a:t>2023/4/29</a:t>
+              <a:t>2023/5/1</a:t>
             </a:fld>
             <a:endParaRPr kumimoji="1" lang="ja-JP" altLang="en-US"/>
           </a:p>
@@ -2143,7 +2148,7 @@
           <a:p>
             <a:fld id="{C46CCB44-9999-4A1A-9D44-812089FB55E3}" type="datetimeFigureOut">
               <a:rPr kumimoji="1" lang="ja-JP" altLang="en-US" smtClean="0"/>
-              <a:t>2023/4/29</a:t>
+              <a:t>2023/5/1</a:t>
             </a:fld>
             <a:endParaRPr kumimoji="1" lang="ja-JP" altLang="en-US"/>
           </a:p>
@@ -2284,7 +2289,7 @@
           <a:p>
             <a:fld id="{C46CCB44-9999-4A1A-9D44-812089FB55E3}" type="datetimeFigureOut">
               <a:rPr kumimoji="1" lang="ja-JP" altLang="en-US" smtClean="0"/>
-              <a:t>2023/4/29</a:t>
+              <a:t>2023/5/1</a:t>
             </a:fld>
             <a:endParaRPr kumimoji="1" lang="ja-JP" altLang="en-US"/>
           </a:p>
@@ -2397,7 +2402,7 @@
           <a:p>
             <a:fld id="{C46CCB44-9999-4A1A-9D44-812089FB55E3}" type="datetimeFigureOut">
               <a:rPr kumimoji="1" lang="ja-JP" altLang="en-US" smtClean="0"/>
-              <a:t>2023/4/29</a:t>
+              <a:t>2023/5/1</a:t>
             </a:fld>
             <a:endParaRPr kumimoji="1" lang="ja-JP" altLang="en-US"/>
           </a:p>
@@ -2740,7 +2745,7 @@
           <a:p>
             <a:fld id="{C46CCB44-9999-4A1A-9D44-812089FB55E3}" type="datetimeFigureOut">
               <a:rPr kumimoji="1" lang="ja-JP" altLang="en-US" smtClean="0"/>
-              <a:t>2023/4/29</a:t>
+              <a:t>2023/5/1</a:t>
             </a:fld>
             <a:endParaRPr kumimoji="1" lang="ja-JP" altLang="en-US"/>
           </a:p>
@@ -3028,7 +3033,7 @@
           <a:p>
             <a:fld id="{C46CCB44-9999-4A1A-9D44-812089FB55E3}" type="datetimeFigureOut">
               <a:rPr kumimoji="1" lang="ja-JP" altLang="en-US" smtClean="0"/>
-              <a:t>2023/4/29</a:t>
+              <a:t>2023/5/1</a:t>
             </a:fld>
             <a:endParaRPr kumimoji="1" lang="ja-JP" altLang="en-US"/>
           </a:p>
@@ -3301,7 +3306,7 @@
           <a:p>
             <a:fld id="{C46CCB44-9999-4A1A-9D44-812089FB55E3}" type="datetimeFigureOut">
               <a:rPr kumimoji="1" lang="ja-JP" altLang="en-US" smtClean="0"/>
-              <a:t>2023/4/29</a:t>
+              <a:t>2023/5/1</a:t>
             </a:fld>
             <a:endParaRPr kumimoji="1" lang="ja-JP" altLang="en-US"/>
           </a:p>
@@ -3718,12 +3723,156 @@
           <a:chExt cx="0" cy="0"/>
         </a:xfrm>
       </p:grpSpPr>
+      <p:grpSp>
+        <p:nvGrpSpPr>
+          <p:cNvPr id="6" name="グループ化 5">
+            <a:extLst>
+              <a:ext uri="{FF2B5EF4-FFF2-40B4-BE49-F238E27FC236}">
+                <a16:creationId xmlns:a16="http://schemas.microsoft.com/office/drawing/2014/main" id="{E878E2A2-A127-2A37-98F8-BED8AEC2531F}"/>
+              </a:ext>
+            </a:extLst>
+          </p:cNvPr>
+          <p:cNvGrpSpPr/>
+          <p:nvPr/>
+        </p:nvGrpSpPr>
+        <p:grpSpPr>
+          <a:xfrm>
+            <a:off x="482651" y="559424"/>
+            <a:ext cx="2301439" cy="2309060"/>
+            <a:chOff x="697255" y="839343"/>
+            <a:chExt cx="2301439" cy="2309060"/>
+          </a:xfrm>
+        </p:grpSpPr>
+        <p:pic>
+          <p:nvPicPr>
+            <p:cNvPr id="14" name="図 13">
+              <a:extLst>
+                <a:ext uri="{FF2B5EF4-FFF2-40B4-BE49-F238E27FC236}">
+                  <a16:creationId xmlns:a16="http://schemas.microsoft.com/office/drawing/2014/main" id="{AFD4C1E3-51CA-7BE6-709F-031D6E3219F0}"/>
+                </a:ext>
+              </a:extLst>
+            </p:cNvPr>
+            <p:cNvPicPr>
+              <a:picLocks noChangeAspect="1"/>
+            </p:cNvPicPr>
+            <p:nvPr/>
+          </p:nvPicPr>
+          <p:blipFill>
+            <a:blip r:embed="rId2">
+              <a:extLst>
+                <a:ext uri="{BEBA8EAE-BF5A-486C-A8C5-ECC9F3942E4B}">
+                  <a14:imgProps xmlns:a14="http://schemas.microsoft.com/office/drawing/2010/main">
+                    <a14:imgLayer r:embed="rId3">
+                      <a14:imgEffect>
+                        <a14:backgroundRemoval t="5611" b="98680" l="7616" r="98675">
+                          <a14:foregroundMark x1="8940" y1="48845" x2="8940" y2="48845"/>
+                          <a14:foregroundMark x1="42384" y1="8911" x2="42384" y2="8911"/>
+                          <a14:foregroundMark x1="48675" y1="5611" x2="48675" y2="5611"/>
+                          <a14:foregroundMark x1="7616" y1="46205" x2="7616" y2="46205"/>
+                          <a14:foregroundMark x1="50662" y1="79208" x2="50909" y2="91749"/>
+                          <a14:foregroundMark x1="31126" y1="59406" x2="53974" y2="62376"/>
+                          <a14:foregroundMark x1="53974" y1="62376" x2="68212" y2="60726"/>
+                          <a14:backgroundMark x1="78146" y1="94389" x2="93377" y2="87789"/>
+                          <a14:backgroundMark x1="37086" y1="97360" x2="60927" y2="98020"/>
+                          <a14:backgroundMark x1="60927" y1="98020" x2="70530" y2="97690"/>
+                          <a14:backgroundMark x1="74834" y1="95380" x2="85099" y2="87129"/>
+                          <a14:backgroundMark x1="72517" y1="97360" x2="75497" y2="95710"/>
+                          <a14:backgroundMark x1="74834" y1="96370" x2="72848" y2="96040"/>
+                          <a14:backgroundMark x1="75828" y1="93069" x2="70199" y2="98350"/>
+                          <a14:backgroundMark x1="35762" y1="96700" x2="38079" y2="97690"/>
+                          <a14:backgroundMark x1="93046" y1="96370" x2="91722" y2="85149"/>
+                          <a14:backgroundMark x1="93709" y1="82178" x2="91722" y2="97690"/>
+                          <a14:backgroundMark x1="86424" y1="89109" x2="97020" y2="78218"/>
+                          <a14:backgroundMark x1="86424" y1="83828" x2="90066" y2="83828"/>
+                          <a14:backgroundMark x1="96689" y1="66007" x2="98013" y2="41914"/>
+                          <a14:backgroundMark x1="98013" y1="41914" x2="97351" y2="40264"/>
+                          <a14:backgroundMark x1="97020" y1="39604" x2="97020" y2="49505"/>
+                          <a14:backgroundMark x1="98344" y1="47855" x2="98344" y2="76238"/>
+                        </a14:backgroundRemoval>
+                      </a14:imgEffect>
+                    </a14:imgLayer>
+                  </a14:imgProps>
+                </a:ext>
+              </a:extLst>
+            </a:blip>
+            <a:stretch>
+              <a:fillRect/>
+            </a:stretch>
+          </p:blipFill>
+          <p:spPr>
+            <a:xfrm>
+              <a:off x="697255" y="839343"/>
+              <a:ext cx="2301439" cy="2309060"/>
+            </a:xfrm>
+            <a:prstGeom prst="rect">
+              <a:avLst/>
+            </a:prstGeom>
+            <a:ln>
+              <a:solidFill>
+                <a:schemeClr val="bg1"/>
+              </a:solidFill>
+            </a:ln>
+          </p:spPr>
+        </p:pic>
+        <p:sp>
+          <p:nvSpPr>
+            <p:cNvPr id="15" name="楕円 14">
+              <a:extLst>
+                <a:ext uri="{FF2B5EF4-FFF2-40B4-BE49-F238E27FC236}">
+                  <a16:creationId xmlns:a16="http://schemas.microsoft.com/office/drawing/2014/main" id="{D603C2C9-0F1B-0187-A81C-08898C8F6061}"/>
+                </a:ext>
+              </a:extLst>
+            </p:cNvPr>
+            <p:cNvSpPr/>
+            <p:nvPr/>
+          </p:nvSpPr>
+          <p:spPr>
+            <a:xfrm>
+              <a:off x="803371" y="949270"/>
+              <a:ext cx="2089205" cy="2089205"/>
+            </a:xfrm>
+            <a:prstGeom prst="ellipse">
+              <a:avLst/>
+            </a:prstGeom>
+            <a:noFill/>
+            <a:ln w="101600">
+              <a:solidFill>
+                <a:schemeClr val="bg1"/>
+              </a:solidFill>
+            </a:ln>
+          </p:spPr>
+          <p:style>
+            <a:lnRef idx="2">
+              <a:schemeClr val="accent1">
+                <a:shade val="50000"/>
+              </a:schemeClr>
+            </a:lnRef>
+            <a:fillRef idx="1">
+              <a:schemeClr val="accent1"/>
+            </a:fillRef>
+            <a:effectRef idx="0">
+              <a:schemeClr val="accent1"/>
+            </a:effectRef>
+            <a:fontRef idx="minor">
+              <a:schemeClr val="lt1"/>
+            </a:fontRef>
+          </p:style>
+          <p:txBody>
+            <a:bodyPr rtlCol="0" anchor="ctr"/>
+            <a:lstStyle/>
+            <a:p>
+              <a:pPr algn="ctr"/>
+              <a:endParaRPr kumimoji="1" lang="ja-JP" altLang="en-US"/>
+            </a:p>
+          </p:txBody>
+        </p:sp>
+      </p:grpSp>
       <p:pic>
         <p:nvPicPr>
-          <p:cNvPr id="14" name="図 13">
-            <a:extLst>
-              <a:ext uri="{FF2B5EF4-FFF2-40B4-BE49-F238E27FC236}">
-                <a16:creationId xmlns:a16="http://schemas.microsoft.com/office/drawing/2014/main" id="{AFD4C1E3-51CA-7BE6-709F-031D6E3219F0}"/>
+          <p:cNvPr id="5" name="図 4">
+            <a:extLst>
+              <a:ext uri="{FF2B5EF4-FFF2-40B4-BE49-F238E27FC236}">
+                <a16:creationId xmlns:a16="http://schemas.microsoft.com/office/drawing/2014/main" id="{B841DFAA-1AF6-B210-8C7C-5C73D30F8A06}"/>
               </a:ext>
             </a:extLst>
           </p:cNvPr>
@@ -3733,36 +3882,44 @@
           <p:nvPr/>
         </p:nvPicPr>
         <p:blipFill>
-          <a:blip r:embed="rId2">
+          <a:blip r:embed="rId4">
             <a:extLst>
               <a:ext uri="{BEBA8EAE-BF5A-486C-A8C5-ECC9F3942E4B}">
                 <a14:imgProps xmlns:a14="http://schemas.microsoft.com/office/drawing/2010/main">
-                  <a14:imgLayer r:embed="rId3">
+                  <a14:imgLayer r:embed="rId5">
                     <a14:imgEffect>
-                      <a14:backgroundRemoval t="5611" b="98680" l="7616" r="98675">
-                        <a14:foregroundMark x1="8940" y1="48845" x2="8940" y2="48845"/>
-                        <a14:foregroundMark x1="42384" y1="8911" x2="42384" y2="8911"/>
-                        <a14:foregroundMark x1="48675" y1="5611" x2="48675" y2="5611"/>
-                        <a14:foregroundMark x1="7616" y1="46205" x2="7616" y2="46205"/>
-                        <a14:foregroundMark x1="50662" y1="79208" x2="50909" y2="91749"/>
-                        <a14:foregroundMark x1="31126" y1="59406" x2="53974" y2="62376"/>
-                        <a14:foregroundMark x1="53974" y1="62376" x2="68212" y2="60726"/>
-                        <a14:backgroundMark x1="78146" y1="94389" x2="93377" y2="87789"/>
-                        <a14:backgroundMark x1="37086" y1="97360" x2="60927" y2="98020"/>
-                        <a14:backgroundMark x1="60927" y1="98020" x2="70530" y2="97690"/>
-                        <a14:backgroundMark x1="74834" y1="95380" x2="85099" y2="87129"/>
-                        <a14:backgroundMark x1="72517" y1="97360" x2="75497" y2="95710"/>
-                        <a14:backgroundMark x1="74834" y1="96370" x2="72848" y2="96040"/>
-                        <a14:backgroundMark x1="75828" y1="93069" x2="70199" y2="98350"/>
-                        <a14:backgroundMark x1="35762" y1="96700" x2="38079" y2="97690"/>
-                        <a14:backgroundMark x1="93046" y1="96370" x2="91722" y2="85149"/>
-                        <a14:backgroundMark x1="93709" y1="82178" x2="91722" y2="97690"/>
-                        <a14:backgroundMark x1="86424" y1="89109" x2="97020" y2="78218"/>
-                        <a14:backgroundMark x1="86424" y1="83828" x2="90066" y2="83828"/>
-                        <a14:backgroundMark x1="96689" y1="66007" x2="98013" y2="41914"/>
-                        <a14:backgroundMark x1="98013" y1="41914" x2="97351" y2="40264"/>
-                        <a14:backgroundMark x1="97020" y1="39604" x2="97020" y2="49505"/>
-                        <a14:backgroundMark x1="98344" y1="47855" x2="98344" y2="76238"/>
+                      <a14:backgroundRemoval t="4531" b="96926" l="4037" r="94410">
+                        <a14:foregroundMark x1="43634" y1="7120" x2="21584" y2="17799"/>
+                        <a14:foregroundMark x1="21584" y1="17799" x2="7919" y2="39644"/>
+                        <a14:foregroundMark x1="7919" y1="39644" x2="6988" y2="44337"/>
+                        <a14:foregroundMark x1="7919" y1="37540" x2="12422" y2="26537"/>
+                        <a14:foregroundMark x1="12422" y1="26537" x2="33540" y2="10194"/>
+                        <a14:foregroundMark x1="33540" y1="10194" x2="44410" y2="5340"/>
+                        <a14:foregroundMark x1="44410" y1="5340" x2="54503" y2="5016"/>
+                        <a14:foregroundMark x1="54503" y1="5016" x2="55435" y2="4531"/>
+                        <a14:foregroundMark x1="55435" y1="4531" x2="65839" y2="8900"/>
+                        <a14:foregroundMark x1="65839" y1="8900" x2="65839" y2="8900"/>
+                        <a14:foregroundMark x1="59783" y1="4693" x2="85870" y2="22330"/>
+                        <a14:foregroundMark x1="85870" y1="22330" x2="87733" y2="26375"/>
+                        <a14:foregroundMark x1="87733" y1="26375" x2="92081" y2="37379"/>
+                        <a14:foregroundMark x1="92081" y1="37379" x2="92391" y2="43204"/>
+                        <a14:foregroundMark x1="92857" y1="39806" x2="94565" y2="60680"/>
+                        <a14:foregroundMark x1="94565" y1="60680" x2="83851" y2="80097"/>
+                        <a14:foregroundMark x1="83851" y1="80097" x2="83540" y2="80421"/>
+                        <a14:foregroundMark x1="63043" y1="93851" x2="33540" y2="92557"/>
+                        <a14:foregroundMark x1="33540" y1="92557" x2="33540" y2="92557"/>
+                        <a14:foregroundMark x1="35559" y1="93689" x2="52640" y2="96926"/>
+                        <a14:foregroundMark x1="4037" y1="49191" x2="4037" y2="49191"/>
+                        <a14:foregroundMark x1="4037" y1="51133" x2="4037" y2="51133"/>
+                        <a14:foregroundMark x1="4037" y1="50324" x2="4193" y2="54045"/>
+                        <a14:foregroundMark x1="4193" y1="49191" x2="4969" y2="44498"/>
+                        <a14:foregroundMark x1="5901" y1="44013" x2="4193" y2="47573"/>
+                        <a14:foregroundMark x1="4037" y1="47896" x2="4037" y2="47896"/>
+                        <a14:foregroundMark x1="3882" y1="46602" x2="3882" y2="46602"/>
+                        <a14:foregroundMark x1="3882" y1="45631" x2="3882" y2="45631"/>
+                        <a14:foregroundMark x1="3882" y1="53560" x2="3882" y2="53560"/>
+                        <a14:foregroundMark x1="3882" y1="45631" x2="3882" y2="45631"/>
+                        <a14:foregroundMark x1="3882" y1="45955" x2="3882" y2="45955"/>
                       </a14:backgroundRemoval>
                     </a14:imgEffect>
                   </a14:imgLayer>
@@ -3776,71 +3933,14 @@
         </p:blipFill>
         <p:spPr>
           <a:xfrm>
-            <a:off x="3048569" y="1883945"/>
-            <a:ext cx="2301439" cy="2309060"/>
+            <a:off x="3642148" y="813424"/>
+            <a:ext cx="2026966" cy="1945132"/>
           </a:xfrm>
           <a:prstGeom prst="rect">
             <a:avLst/>
           </a:prstGeom>
-          <a:ln>
-            <a:solidFill>
-              <a:schemeClr val="bg1"/>
-            </a:solidFill>
-          </a:ln>
         </p:spPr>
       </p:pic>
-      <p:sp>
-        <p:nvSpPr>
-          <p:cNvPr id="15" name="楕円 14">
-            <a:extLst>
-              <a:ext uri="{FF2B5EF4-FFF2-40B4-BE49-F238E27FC236}">
-                <a16:creationId xmlns:a16="http://schemas.microsoft.com/office/drawing/2014/main" id="{D603C2C9-0F1B-0187-A81C-08898C8F6061}"/>
-              </a:ext>
-            </a:extLst>
-          </p:cNvPr>
-          <p:cNvSpPr/>
-          <p:nvPr/>
-        </p:nvSpPr>
-        <p:spPr>
-          <a:xfrm>
-            <a:off x="3154686" y="1993873"/>
-            <a:ext cx="2089205" cy="2089205"/>
-          </a:xfrm>
-          <a:prstGeom prst="ellipse">
-            <a:avLst/>
-          </a:prstGeom>
-          <a:noFill/>
-          <a:ln w="101600">
-            <a:solidFill>
-              <a:schemeClr val="bg1"/>
-            </a:solidFill>
-          </a:ln>
-        </p:spPr>
-        <p:style>
-          <a:lnRef idx="2">
-            <a:schemeClr val="accent1">
-              <a:shade val="50000"/>
-            </a:schemeClr>
-          </a:lnRef>
-          <a:fillRef idx="1">
-            <a:schemeClr val="accent1"/>
-          </a:fillRef>
-          <a:effectRef idx="0">
-            <a:schemeClr val="accent1"/>
-          </a:effectRef>
-          <a:fontRef idx="minor">
-            <a:schemeClr val="lt1"/>
-          </a:fontRef>
-        </p:style>
-        <p:txBody>
-          <a:bodyPr rtlCol="0" anchor="ctr"/>
-          <a:lstStyle/>
-          <a:p>
-            <a:pPr algn="ctr"/>
-            <a:endParaRPr kumimoji="1" lang="ja-JP" altLang="en-US"/>
-          </a:p>
-        </p:txBody>
-      </p:sp>
     </p:spTree>
     <p:extLst>
       <p:ext uri="{BB962C8B-B14F-4D97-AF65-F5344CB8AC3E}">
